--- a/report/final presentation.pptx
+++ b/report/final presentation.pptx
@@ -199,6 +199,7 @@
           <a:p>
             <a:fld id="{5E427CC0-A092-42BA-803F-6537B85ADFB0}" type="datetimeFigureOut">
               <a:rPr lang="ko-KR" altLang="en-US" smtClean="0"/>
+              <a:pPr/>
               <a:t>2012-12-09</a:t>
             </a:fld>
             <a:endParaRPr lang="ko-KR" altLang="en-US"/>
@@ -360,6 +361,7 @@
           <a:p>
             <a:fld id="{CAF73ED8-2F85-44FD-A668-A954CDDB07D8}" type="slidenum">
               <a:rPr lang="ko-KR" altLang="en-US" smtClean="0"/>
+              <a:pPr/>
               <a:t>‹#›</a:t>
             </a:fld>
             <a:endParaRPr lang="ko-KR" altLang="en-US"/>
@@ -531,6 +533,7 @@
           <a:p>
             <a:fld id="{CAF73ED8-2F85-44FD-A668-A954CDDB07D8}" type="slidenum">
               <a:rPr lang="ko-KR" altLang="en-US" smtClean="0"/>
+              <a:pPr/>
               <a:t>5</a:t>
             </a:fld>
             <a:endParaRPr lang="ko-KR" altLang="en-US"/>
@@ -3696,15 +3699,7 @@
             </a:r>
             <a:r>
               <a:rPr lang="ko-KR" altLang="en-US" sz="2800" dirty="0" smtClean="0"/>
-              <a:t> </a:t>
-            </a:r>
-            <a:r>
-              <a:rPr lang="ko-KR" altLang="en-US" sz="2800" dirty="0" smtClean="0"/>
-              <a:t>최</a:t>
-            </a:r>
-            <a:r>
-              <a:rPr lang="ko-KR" altLang="en-US" sz="2800" dirty="0" smtClean="0"/>
-              <a:t>종</a:t>
+              <a:t> 최종</a:t>
             </a:r>
             <a:r>
               <a:rPr lang="en-US" altLang="ko-KR" sz="2800" dirty="0" smtClean="0"/>
@@ -5495,13 +5490,7 @@
               <a:rPr lang="ko-KR" altLang="en-US" sz="2000" b="1" dirty="0" smtClean="0">
                 <a:latin typeface="+mj-lt"/>
               </a:rPr>
-              <a:t>결과</a:t>
-            </a:r>
-            <a:r>
-              <a:rPr lang="ko-KR" altLang="en-US" sz="2000" b="1" dirty="0" smtClean="0">
-                <a:latin typeface="+mj-lt"/>
-              </a:rPr>
-              <a:t>물</a:t>
+              <a:t>결과물</a:t>
             </a:r>
             <a:endParaRPr lang="ko-KR" altLang="en-US" sz="2000" b="1" dirty="0">
               <a:latin typeface="+mj-lt"/>
@@ -5999,11 +5988,7 @@
             </a:r>
             <a:r>
               <a:rPr lang="ko-KR" altLang="en-US" sz="2800" b="1" dirty="0" smtClean="0"/>
-              <a:t>누구나 </a:t>
-            </a:r>
-            <a:r>
-              <a:rPr lang="ko-KR" altLang="en-US" sz="2800" b="1" dirty="0" smtClean="0"/>
-              <a:t>거부감 없이 시사를 접할 수 있다</a:t>
+              <a:t>누구나 거부감 없이 시사를 접할 수 있다</a:t>
             </a:r>
             <a:r>
               <a:rPr lang="en-US" altLang="ko-KR" sz="3200" b="1" dirty="0" smtClean="0"/>
@@ -6054,11 +6039,7 @@
             </a:br>
             <a:r>
               <a:rPr lang="ko-KR" altLang="en-US" sz="2800" b="1" dirty="0" smtClean="0"/>
-              <a:t> </a:t>
-            </a:r>
-            <a:r>
-              <a:rPr lang="ko-KR" altLang="en-US" sz="2800" b="1" dirty="0" smtClean="0"/>
-              <a:t>심플한 </a:t>
+              <a:t> 심플한 </a:t>
             </a:r>
             <a:r>
               <a:rPr lang="en-US" altLang="ko-KR" sz="2800" b="1" dirty="0" smtClean="0"/>
@@ -7577,14 +7558,16 @@
       </p:cxnSp>
       <p:pic>
         <p:nvPicPr>
-          <p:cNvPr id="17" name="그림 16" descr="명지ui 레드.jpg"/>
+          <p:cNvPr id="17" name="그림 16" descr="명지ui 레드.jpg">
+            <a:hlinkClick r:id="rId3"/>
+          </p:cNvPr>
           <p:cNvPicPr>
             <a:picLocks noChangeAspect="1"/>
           </p:cNvPicPr>
           <p:nvPr/>
         </p:nvPicPr>
         <p:blipFill>
-          <a:blip r:embed="rId3" cstate="print">
+          <a:blip r:embed="rId4" cstate="print">
             <a:lum bright="75000"/>
           </a:blip>
           <a:stretch>
@@ -8101,6 +8084,240 @@
           </a:prstGeom>
         </p:spPr>
       </p:pic>
+      <p:sp>
+        <p:nvSpPr>
+          <p:cNvPr id="18" name="모서리가 둥근 직사각형 17"/>
+          <p:cNvSpPr/>
+          <p:nvPr/>
+        </p:nvSpPr>
+        <p:spPr>
+          <a:xfrm>
+            <a:off x="2915816" y="1484784"/>
+            <a:ext cx="5616624" cy="792088"/>
+          </a:xfrm>
+          <a:prstGeom prst="roundRect">
+            <a:avLst/>
+          </a:prstGeom>
+        </p:spPr>
+        <p:style>
+          <a:lnRef idx="2">
+            <a:schemeClr val="accent6"/>
+          </a:lnRef>
+          <a:fillRef idx="1">
+            <a:schemeClr val="lt1"/>
+          </a:fillRef>
+          <a:effectRef idx="0">
+            <a:schemeClr val="accent6"/>
+          </a:effectRef>
+          <a:fontRef idx="minor">
+            <a:schemeClr val="dk1"/>
+          </a:fontRef>
+        </p:style>
+        <p:txBody>
+          <a:bodyPr rtlCol="0" anchor="ctr"/>
+          <a:lstStyle/>
+          <a:p>
+            <a:pPr algn="ctr"/>
+            <a:r>
+              <a:rPr lang="ko-KR" altLang="en-US" sz="2000" dirty="0" smtClean="0"/>
+              <a:t>여러 가지 소프트웨어를 다룰 수 있다</a:t>
+            </a:r>
+            <a:r>
+              <a:rPr lang="en-US" altLang="ko-KR" sz="2000" dirty="0" smtClean="0"/>
+              <a:t>.</a:t>
+            </a:r>
+            <a:endParaRPr lang="ko-KR" altLang="en-US" sz="2000" dirty="0"/>
+          </a:p>
+        </p:txBody>
+      </p:sp>
+      <p:sp>
+        <p:nvSpPr>
+          <p:cNvPr id="19" name="모서리가 둥근 직사각형 18"/>
+          <p:cNvSpPr/>
+          <p:nvPr/>
+        </p:nvSpPr>
+        <p:spPr>
+          <a:xfrm>
+            <a:off x="2915816" y="2420888"/>
+            <a:ext cx="5616624" cy="792088"/>
+          </a:xfrm>
+          <a:prstGeom prst="roundRect">
+            <a:avLst/>
+          </a:prstGeom>
+        </p:spPr>
+        <p:style>
+          <a:lnRef idx="2">
+            <a:schemeClr val="accent6"/>
+          </a:lnRef>
+          <a:fillRef idx="1">
+            <a:schemeClr val="lt1"/>
+          </a:fillRef>
+          <a:effectRef idx="0">
+            <a:schemeClr val="accent6"/>
+          </a:effectRef>
+          <a:fontRef idx="minor">
+            <a:schemeClr val="dk1"/>
+          </a:fontRef>
+        </p:style>
+        <p:txBody>
+          <a:bodyPr rtlCol="0" anchor="ctr"/>
+          <a:lstStyle/>
+          <a:p>
+            <a:pPr algn="ctr"/>
+            <a:r>
+              <a:rPr lang="ko-KR" altLang="en-US" sz="2000" dirty="0" smtClean="0"/>
+              <a:t>조직 내 주어진 역할을 책임감 있게 수행한다</a:t>
+            </a:r>
+            <a:r>
+              <a:rPr lang="en-US" altLang="ko-KR" sz="2000" dirty="0" smtClean="0"/>
+              <a:t>.</a:t>
+            </a:r>
+            <a:r>
+              <a:rPr lang="ko-KR" altLang="en-US" sz="2000" dirty="0" smtClean="0"/>
+              <a:t> </a:t>
+            </a:r>
+            <a:endParaRPr lang="ko-KR" altLang="en-US" sz="2000" dirty="0"/>
+          </a:p>
+        </p:txBody>
+      </p:sp>
+      <p:sp>
+        <p:nvSpPr>
+          <p:cNvPr id="20" name="모서리가 둥근 직사각형 19"/>
+          <p:cNvSpPr/>
+          <p:nvPr/>
+        </p:nvSpPr>
+        <p:spPr>
+          <a:xfrm>
+            <a:off x="2915816" y="3356992"/>
+            <a:ext cx="5616624" cy="792088"/>
+          </a:xfrm>
+          <a:prstGeom prst="roundRect">
+            <a:avLst/>
+          </a:prstGeom>
+        </p:spPr>
+        <p:style>
+          <a:lnRef idx="2">
+            <a:schemeClr val="accent6"/>
+          </a:lnRef>
+          <a:fillRef idx="1">
+            <a:schemeClr val="lt1"/>
+          </a:fillRef>
+          <a:effectRef idx="0">
+            <a:schemeClr val="accent6"/>
+          </a:effectRef>
+          <a:fontRef idx="minor">
+            <a:schemeClr val="dk1"/>
+          </a:fontRef>
+        </p:style>
+        <p:txBody>
+          <a:bodyPr rtlCol="0" anchor="ctr"/>
+          <a:lstStyle/>
+          <a:p>
+            <a:pPr algn="ctr"/>
+            <a:r>
+              <a:rPr lang="ko-KR" altLang="en-US" sz="2000" dirty="0" smtClean="0"/>
+              <a:t>다양한 라이브러리를 재사용 할 수 있다</a:t>
+            </a:r>
+            <a:r>
+              <a:rPr lang="en-US" altLang="ko-KR" sz="2000" dirty="0" smtClean="0"/>
+              <a:t>.</a:t>
+            </a:r>
+            <a:endParaRPr lang="ko-KR" altLang="en-US" sz="2000" dirty="0" smtClean="0"/>
+          </a:p>
+        </p:txBody>
+      </p:sp>
+      <p:sp>
+        <p:nvSpPr>
+          <p:cNvPr id="21" name="모서리가 둥근 직사각형 20"/>
+          <p:cNvSpPr/>
+          <p:nvPr/>
+        </p:nvSpPr>
+        <p:spPr>
+          <a:xfrm>
+            <a:off x="2915816" y="4293096"/>
+            <a:ext cx="5616624" cy="792088"/>
+          </a:xfrm>
+          <a:prstGeom prst="roundRect">
+            <a:avLst/>
+          </a:prstGeom>
+        </p:spPr>
+        <p:style>
+          <a:lnRef idx="2">
+            <a:schemeClr val="accent6"/>
+          </a:lnRef>
+          <a:fillRef idx="1">
+            <a:schemeClr val="lt1"/>
+          </a:fillRef>
+          <a:effectRef idx="0">
+            <a:schemeClr val="accent6"/>
+          </a:effectRef>
+          <a:fontRef idx="minor">
+            <a:schemeClr val="dk1"/>
+          </a:fontRef>
+        </p:style>
+        <p:txBody>
+          <a:bodyPr rtlCol="0" anchor="ctr"/>
+          <a:lstStyle/>
+          <a:p>
+            <a:pPr algn="ctr"/>
+            <a:r>
+              <a:rPr lang="ko-KR" altLang="en-US" sz="2000" dirty="0" smtClean="0"/>
+              <a:t>정보 검색 능력이 향상되었다</a:t>
+            </a:r>
+            <a:r>
+              <a:rPr lang="en-US" altLang="ko-KR" sz="2000" dirty="0" smtClean="0"/>
+              <a:t>.</a:t>
+            </a:r>
+            <a:endParaRPr lang="ko-KR" altLang="en-US" sz="2000" dirty="0" smtClean="0"/>
+          </a:p>
+        </p:txBody>
+      </p:sp>
+      <p:sp>
+        <p:nvSpPr>
+          <p:cNvPr id="22" name="모서리가 둥근 직사각형 21"/>
+          <p:cNvSpPr/>
+          <p:nvPr/>
+        </p:nvSpPr>
+        <p:spPr>
+          <a:xfrm>
+            <a:off x="2915816" y="5229200"/>
+            <a:ext cx="5616624" cy="792088"/>
+          </a:xfrm>
+          <a:prstGeom prst="roundRect">
+            <a:avLst/>
+          </a:prstGeom>
+        </p:spPr>
+        <p:style>
+          <a:lnRef idx="2">
+            <a:schemeClr val="accent6"/>
+          </a:lnRef>
+          <a:fillRef idx="1">
+            <a:schemeClr val="lt1"/>
+          </a:fillRef>
+          <a:effectRef idx="0">
+            <a:schemeClr val="accent6"/>
+          </a:effectRef>
+          <a:fontRef idx="minor">
+            <a:schemeClr val="dk1"/>
+          </a:fontRef>
+        </p:style>
+        <p:txBody>
+          <a:bodyPr rtlCol="0" anchor="ctr"/>
+          <a:lstStyle/>
+          <a:p>
+            <a:pPr algn="ctr"/>
+            <a:r>
+              <a:rPr lang="ko-KR" altLang="en-US" sz="2000" dirty="0" smtClean="0"/>
+              <a:t>사용자를 고려한 서비스를 제공할 수 있다</a:t>
+            </a:r>
+            <a:r>
+              <a:rPr lang="en-US" altLang="ko-KR" sz="2000" smtClean="0"/>
+              <a:t>.</a:t>
+            </a:r>
+            <a:endParaRPr lang="ko-KR" altLang="en-US" sz="2000" dirty="0" smtClean="0"/>
+          </a:p>
+        </p:txBody>
+      </p:sp>
     </p:spTree>
   </p:cSld>
   <p:clrMapOvr>

--- a/report/final presentation.pptx
+++ b/report/final presentation.pptx
@@ -200,7 +200,7 @@
             <a:fld id="{5E427CC0-A092-42BA-803F-6537B85ADFB0}" type="datetimeFigureOut">
               <a:rPr lang="ko-KR" altLang="en-US" smtClean="0"/>
               <a:pPr/>
-              <a:t>2012-12-09</a:t>
+              <a:t>2012-12-10</a:t>
             </a:fld>
             <a:endParaRPr lang="ko-KR" altLang="en-US"/>
           </a:p>
@@ -730,7 +730,7 @@
             <a:fld id="{A492E1B7-DCE1-4ED9-9702-5C4330D65274}" type="datetimeFigureOut">
               <a:rPr lang="ko-KR" altLang="en-US" smtClean="0"/>
               <a:pPr/>
-              <a:t>2012-12-09</a:t>
+              <a:t>2012-12-10</a:t>
             </a:fld>
             <a:endParaRPr lang="ko-KR" altLang="en-US"/>
           </a:p>
@@ -897,7 +897,7 @@
             <a:fld id="{A492E1B7-DCE1-4ED9-9702-5C4330D65274}" type="datetimeFigureOut">
               <a:rPr lang="ko-KR" altLang="en-US" smtClean="0"/>
               <a:pPr/>
-              <a:t>2012-12-09</a:t>
+              <a:t>2012-12-10</a:t>
             </a:fld>
             <a:endParaRPr lang="ko-KR" altLang="en-US"/>
           </a:p>
@@ -1074,7 +1074,7 @@
             <a:fld id="{A492E1B7-DCE1-4ED9-9702-5C4330D65274}" type="datetimeFigureOut">
               <a:rPr lang="ko-KR" altLang="en-US" smtClean="0"/>
               <a:pPr/>
-              <a:t>2012-12-09</a:t>
+              <a:t>2012-12-10</a:t>
             </a:fld>
             <a:endParaRPr lang="ko-KR" altLang="en-US"/>
           </a:p>
@@ -1241,7 +1241,7 @@
             <a:fld id="{A492E1B7-DCE1-4ED9-9702-5C4330D65274}" type="datetimeFigureOut">
               <a:rPr lang="ko-KR" altLang="en-US" smtClean="0"/>
               <a:pPr/>
-              <a:t>2012-12-09</a:t>
+              <a:t>2012-12-10</a:t>
             </a:fld>
             <a:endParaRPr lang="ko-KR" altLang="en-US"/>
           </a:p>
@@ -1484,7 +1484,7 @@
             <a:fld id="{A492E1B7-DCE1-4ED9-9702-5C4330D65274}" type="datetimeFigureOut">
               <a:rPr lang="ko-KR" altLang="en-US" smtClean="0"/>
               <a:pPr/>
-              <a:t>2012-12-09</a:t>
+              <a:t>2012-12-10</a:t>
             </a:fld>
             <a:endParaRPr lang="ko-KR" altLang="en-US"/>
           </a:p>
@@ -1769,7 +1769,7 @@
             <a:fld id="{A492E1B7-DCE1-4ED9-9702-5C4330D65274}" type="datetimeFigureOut">
               <a:rPr lang="ko-KR" altLang="en-US" smtClean="0"/>
               <a:pPr/>
-              <a:t>2012-12-09</a:t>
+              <a:t>2012-12-10</a:t>
             </a:fld>
             <a:endParaRPr lang="ko-KR" altLang="en-US"/>
           </a:p>
@@ -2188,7 +2188,7 @@
             <a:fld id="{A492E1B7-DCE1-4ED9-9702-5C4330D65274}" type="datetimeFigureOut">
               <a:rPr lang="ko-KR" altLang="en-US" smtClean="0"/>
               <a:pPr/>
-              <a:t>2012-12-09</a:t>
+              <a:t>2012-12-10</a:t>
             </a:fld>
             <a:endParaRPr lang="ko-KR" altLang="en-US"/>
           </a:p>
@@ -2303,7 +2303,7 @@
             <a:fld id="{A492E1B7-DCE1-4ED9-9702-5C4330D65274}" type="datetimeFigureOut">
               <a:rPr lang="ko-KR" altLang="en-US" smtClean="0"/>
               <a:pPr/>
-              <a:t>2012-12-09</a:t>
+              <a:t>2012-12-10</a:t>
             </a:fld>
             <a:endParaRPr lang="ko-KR" altLang="en-US"/>
           </a:p>
@@ -2395,7 +2395,7 @@
             <a:fld id="{A492E1B7-DCE1-4ED9-9702-5C4330D65274}" type="datetimeFigureOut">
               <a:rPr lang="ko-KR" altLang="en-US" smtClean="0"/>
               <a:pPr/>
-              <a:t>2012-12-09</a:t>
+              <a:t>2012-12-10</a:t>
             </a:fld>
             <a:endParaRPr lang="ko-KR" altLang="en-US"/>
           </a:p>
@@ -2669,7 +2669,7 @@
             <a:fld id="{A492E1B7-DCE1-4ED9-9702-5C4330D65274}" type="datetimeFigureOut">
               <a:rPr lang="ko-KR" altLang="en-US" smtClean="0"/>
               <a:pPr/>
-              <a:t>2012-12-09</a:t>
+              <a:t>2012-12-10</a:t>
             </a:fld>
             <a:endParaRPr lang="ko-KR" altLang="en-US"/>
           </a:p>
@@ -2919,7 +2919,7 @@
             <a:fld id="{A492E1B7-DCE1-4ED9-9702-5C4330D65274}" type="datetimeFigureOut">
               <a:rPr lang="ko-KR" altLang="en-US" smtClean="0"/>
               <a:pPr/>
-              <a:t>2012-12-09</a:t>
+              <a:t>2012-12-10</a:t>
             </a:fld>
             <a:endParaRPr lang="ko-KR" altLang="en-US"/>
           </a:p>
@@ -3129,7 +3129,7 @@
             <a:fld id="{A492E1B7-DCE1-4ED9-9702-5C4330D65274}" type="datetimeFigureOut">
               <a:rPr lang="ko-KR" altLang="en-US" smtClean="0"/>
               <a:pPr/>
-              <a:t>2012-12-09</a:t>
+              <a:t>2012-12-10</a:t>
             </a:fld>
             <a:endParaRPr lang="ko-KR" altLang="en-US"/>
           </a:p>
